--- a/中越詩歌/天使歌唱在高天_Tiếng Hát Thiên Binh.pptx
+++ b/中越詩歌/天使歌唱在高天_Tiếng Hát Thiên Binh.pptx
@@ -174,7 +174,7 @@
           <a:lstStyle/>
           <a:p>
             <a:r>
-              <a:rPr lang="en-US" altLang="zh-TW" smtClean="0"/>
+              <a:rPr lang="en-US" altLang="zh-TW"/>
               <a:t>Click to edit Master title style</a:t>
             </a:r>
             <a:endParaRPr lang="zh-TW" altLang="en-US"/>
@@ -293,7 +293,7 @@
           </a:lstStyle>
           <a:p>
             <a:r>
-              <a:rPr lang="en-US" altLang="zh-TW" smtClean="0"/>
+              <a:rPr lang="en-US" altLang="zh-TW"/>
               <a:t>Click to edit Master subtitle style</a:t>
             </a:r>
             <a:endParaRPr lang="zh-TW" altLang="en-US"/>
@@ -317,7 +317,7 @@
           <a:p>
             <a:fld id="{73C63620-0EF9-431F-AFEA-5D24723690A5}" type="datetimeFigureOut">
               <a:rPr lang="vi-VN" smtClean="0"/>
-              <a:t>24/12/2022</a:t>
+              <a:t>16/12/2023</a:t>
             </a:fld>
             <a:endParaRPr lang="vi-VN"/>
           </a:p>
@@ -411,7 +411,7 @@
           <a:lstStyle/>
           <a:p>
             <a:r>
-              <a:rPr lang="en-US" altLang="zh-TW" smtClean="0"/>
+              <a:rPr lang="en-US" altLang="zh-TW"/>
               <a:t>Click to edit Master title style</a:t>
             </a:r>
             <a:endParaRPr lang="zh-TW" altLang="en-US"/>
@@ -435,35 +435,35 @@
           <a:p>
             <a:pPr lvl="0"/>
             <a:r>
-              <a:rPr lang="en-US" altLang="zh-TW" smtClean="0"/>
+              <a:rPr lang="en-US" altLang="zh-TW"/>
               <a:t>Edit Master text styles</a:t>
             </a:r>
           </a:p>
           <a:p>
             <a:pPr lvl="1"/>
             <a:r>
-              <a:rPr lang="en-US" altLang="zh-TW" smtClean="0"/>
+              <a:rPr lang="en-US" altLang="zh-TW"/>
               <a:t>Second level</a:t>
             </a:r>
           </a:p>
           <a:p>
             <a:pPr lvl="2"/>
             <a:r>
-              <a:rPr lang="en-US" altLang="zh-TW" smtClean="0"/>
+              <a:rPr lang="en-US" altLang="zh-TW"/>
               <a:t>Third level</a:t>
             </a:r>
           </a:p>
           <a:p>
             <a:pPr lvl="3"/>
             <a:r>
-              <a:rPr lang="en-US" altLang="zh-TW" smtClean="0"/>
+              <a:rPr lang="en-US" altLang="zh-TW"/>
               <a:t>Fourth level</a:t>
             </a:r>
           </a:p>
           <a:p>
             <a:pPr lvl="4"/>
             <a:r>
-              <a:rPr lang="en-US" altLang="zh-TW" smtClean="0"/>
+              <a:rPr lang="en-US" altLang="zh-TW"/>
               <a:t>Fifth level</a:t>
             </a:r>
             <a:endParaRPr lang="zh-TW" altLang="en-US"/>
@@ -487,7 +487,7 @@
           <a:p>
             <a:fld id="{73C63620-0EF9-431F-AFEA-5D24723690A5}" type="datetimeFigureOut">
               <a:rPr lang="vi-VN" smtClean="0"/>
-              <a:t>24/12/2022</a:t>
+              <a:t>16/12/2023</a:t>
             </a:fld>
             <a:endParaRPr lang="vi-VN"/>
           </a:p>
@@ -586,7 +586,7 @@
           <a:lstStyle/>
           <a:p>
             <a:r>
-              <a:rPr lang="en-US" altLang="zh-TW" smtClean="0"/>
+              <a:rPr lang="en-US" altLang="zh-TW"/>
               <a:t>Click to edit Master title style</a:t>
             </a:r>
             <a:endParaRPr lang="zh-TW" altLang="en-US"/>
@@ -615,35 +615,35 @@
           <a:p>
             <a:pPr lvl="0"/>
             <a:r>
-              <a:rPr lang="en-US" altLang="zh-TW" smtClean="0"/>
+              <a:rPr lang="en-US" altLang="zh-TW"/>
               <a:t>Edit Master text styles</a:t>
             </a:r>
           </a:p>
           <a:p>
             <a:pPr lvl="1"/>
             <a:r>
-              <a:rPr lang="en-US" altLang="zh-TW" smtClean="0"/>
+              <a:rPr lang="en-US" altLang="zh-TW"/>
               <a:t>Second level</a:t>
             </a:r>
           </a:p>
           <a:p>
             <a:pPr lvl="2"/>
             <a:r>
-              <a:rPr lang="en-US" altLang="zh-TW" smtClean="0"/>
+              <a:rPr lang="en-US" altLang="zh-TW"/>
               <a:t>Third level</a:t>
             </a:r>
           </a:p>
           <a:p>
             <a:pPr lvl="3"/>
             <a:r>
-              <a:rPr lang="en-US" altLang="zh-TW" smtClean="0"/>
+              <a:rPr lang="en-US" altLang="zh-TW"/>
               <a:t>Fourth level</a:t>
             </a:r>
           </a:p>
           <a:p>
             <a:pPr lvl="4"/>
             <a:r>
-              <a:rPr lang="en-US" altLang="zh-TW" smtClean="0"/>
+              <a:rPr lang="en-US" altLang="zh-TW"/>
               <a:t>Fifth level</a:t>
             </a:r>
             <a:endParaRPr lang="zh-TW" altLang="en-US"/>
@@ -667,7 +667,7 @@
           <a:p>
             <a:fld id="{73C63620-0EF9-431F-AFEA-5D24723690A5}" type="datetimeFigureOut">
               <a:rPr lang="vi-VN" smtClean="0"/>
-              <a:t>24/12/2022</a:t>
+              <a:t>16/12/2023</a:t>
             </a:fld>
             <a:endParaRPr lang="vi-VN"/>
           </a:p>
@@ -761,7 +761,7 @@
           <a:lstStyle/>
           <a:p>
             <a:r>
-              <a:rPr lang="en-US" altLang="zh-TW" smtClean="0"/>
+              <a:rPr lang="en-US" altLang="zh-TW"/>
               <a:t>Click to edit Master title style</a:t>
             </a:r>
             <a:endParaRPr lang="zh-TW" altLang="en-US"/>
@@ -785,35 +785,35 @@
           <a:p>
             <a:pPr lvl="0"/>
             <a:r>
-              <a:rPr lang="en-US" altLang="zh-TW" smtClean="0"/>
+              <a:rPr lang="en-US" altLang="zh-TW"/>
               <a:t>Edit Master text styles</a:t>
             </a:r>
           </a:p>
           <a:p>
             <a:pPr lvl="1"/>
             <a:r>
-              <a:rPr lang="en-US" altLang="zh-TW" smtClean="0"/>
+              <a:rPr lang="en-US" altLang="zh-TW"/>
               <a:t>Second level</a:t>
             </a:r>
           </a:p>
           <a:p>
             <a:pPr lvl="2"/>
             <a:r>
-              <a:rPr lang="en-US" altLang="zh-TW" smtClean="0"/>
+              <a:rPr lang="en-US" altLang="zh-TW"/>
               <a:t>Third level</a:t>
             </a:r>
           </a:p>
           <a:p>
             <a:pPr lvl="3"/>
             <a:r>
-              <a:rPr lang="en-US" altLang="zh-TW" smtClean="0"/>
+              <a:rPr lang="en-US" altLang="zh-TW"/>
               <a:t>Fourth level</a:t>
             </a:r>
           </a:p>
           <a:p>
             <a:pPr lvl="4"/>
             <a:r>
-              <a:rPr lang="en-US" altLang="zh-TW" smtClean="0"/>
+              <a:rPr lang="en-US" altLang="zh-TW"/>
               <a:t>Fifth level</a:t>
             </a:r>
             <a:endParaRPr lang="zh-TW" altLang="en-US"/>
@@ -837,7 +837,7 @@
           <a:p>
             <a:fld id="{73C63620-0EF9-431F-AFEA-5D24723690A5}" type="datetimeFigureOut">
               <a:rPr lang="vi-VN" smtClean="0"/>
-              <a:t>24/12/2022</a:t>
+              <a:t>16/12/2023</a:t>
             </a:fld>
             <a:endParaRPr lang="vi-VN"/>
           </a:p>
@@ -940,7 +940,7 @@
           </a:lstStyle>
           <a:p>
             <a:r>
-              <a:rPr lang="en-US" altLang="zh-TW" smtClean="0"/>
+              <a:rPr lang="en-US" altLang="zh-TW"/>
               <a:t>Click to edit Master title style</a:t>
             </a:r>
             <a:endParaRPr lang="zh-TW" altLang="en-US"/>
@@ -1060,7 +1060,7 @@
           <a:p>
             <a:pPr lvl="0"/>
             <a:r>
-              <a:rPr lang="en-US" altLang="zh-TW" smtClean="0"/>
+              <a:rPr lang="en-US" altLang="zh-TW"/>
               <a:t>Edit Master text styles</a:t>
             </a:r>
           </a:p>
@@ -1083,7 +1083,7 @@
           <a:p>
             <a:fld id="{73C63620-0EF9-431F-AFEA-5D24723690A5}" type="datetimeFigureOut">
               <a:rPr lang="vi-VN" smtClean="0"/>
-              <a:t>24/12/2022</a:t>
+              <a:t>16/12/2023</a:t>
             </a:fld>
             <a:endParaRPr lang="vi-VN"/>
           </a:p>
@@ -1177,7 +1177,7 @@
           <a:lstStyle/>
           <a:p>
             <a:r>
-              <a:rPr lang="en-US" altLang="zh-TW" smtClean="0"/>
+              <a:rPr lang="en-US" altLang="zh-TW"/>
               <a:t>Click to edit Master title style</a:t>
             </a:r>
             <a:endParaRPr lang="zh-TW" altLang="en-US"/>
@@ -1234,35 +1234,35 @@
           <a:p>
             <a:pPr lvl="0"/>
             <a:r>
-              <a:rPr lang="en-US" altLang="zh-TW" smtClean="0"/>
+              <a:rPr lang="en-US" altLang="zh-TW"/>
               <a:t>Edit Master text styles</a:t>
             </a:r>
           </a:p>
           <a:p>
             <a:pPr lvl="1"/>
             <a:r>
-              <a:rPr lang="en-US" altLang="zh-TW" smtClean="0"/>
+              <a:rPr lang="en-US" altLang="zh-TW"/>
               <a:t>Second level</a:t>
             </a:r>
           </a:p>
           <a:p>
             <a:pPr lvl="2"/>
             <a:r>
-              <a:rPr lang="en-US" altLang="zh-TW" smtClean="0"/>
+              <a:rPr lang="en-US" altLang="zh-TW"/>
               <a:t>Third level</a:t>
             </a:r>
           </a:p>
           <a:p>
             <a:pPr lvl="3"/>
             <a:r>
-              <a:rPr lang="en-US" altLang="zh-TW" smtClean="0"/>
+              <a:rPr lang="en-US" altLang="zh-TW"/>
               <a:t>Fourth level</a:t>
             </a:r>
           </a:p>
           <a:p>
             <a:pPr lvl="4"/>
             <a:r>
-              <a:rPr lang="en-US" altLang="zh-TW" smtClean="0"/>
+              <a:rPr lang="en-US" altLang="zh-TW"/>
               <a:t>Fifth level</a:t>
             </a:r>
             <a:endParaRPr lang="zh-TW" altLang="en-US"/>
@@ -1319,35 +1319,35 @@
           <a:p>
             <a:pPr lvl="0"/>
             <a:r>
-              <a:rPr lang="en-US" altLang="zh-TW" smtClean="0"/>
+              <a:rPr lang="en-US" altLang="zh-TW"/>
               <a:t>Edit Master text styles</a:t>
             </a:r>
           </a:p>
           <a:p>
             <a:pPr lvl="1"/>
             <a:r>
-              <a:rPr lang="en-US" altLang="zh-TW" smtClean="0"/>
+              <a:rPr lang="en-US" altLang="zh-TW"/>
               <a:t>Second level</a:t>
             </a:r>
           </a:p>
           <a:p>
             <a:pPr lvl="2"/>
             <a:r>
-              <a:rPr lang="en-US" altLang="zh-TW" smtClean="0"/>
+              <a:rPr lang="en-US" altLang="zh-TW"/>
               <a:t>Third level</a:t>
             </a:r>
           </a:p>
           <a:p>
             <a:pPr lvl="3"/>
             <a:r>
-              <a:rPr lang="en-US" altLang="zh-TW" smtClean="0"/>
+              <a:rPr lang="en-US" altLang="zh-TW"/>
               <a:t>Fourth level</a:t>
             </a:r>
           </a:p>
           <a:p>
             <a:pPr lvl="4"/>
             <a:r>
-              <a:rPr lang="en-US" altLang="zh-TW" smtClean="0"/>
+              <a:rPr lang="en-US" altLang="zh-TW"/>
               <a:t>Fifth level</a:t>
             </a:r>
             <a:endParaRPr lang="zh-TW" altLang="en-US"/>
@@ -1371,7 +1371,7 @@
           <a:p>
             <a:fld id="{73C63620-0EF9-431F-AFEA-5D24723690A5}" type="datetimeFigureOut">
               <a:rPr lang="vi-VN" smtClean="0"/>
-              <a:t>24/12/2022</a:t>
+              <a:t>16/12/2023</a:t>
             </a:fld>
             <a:endParaRPr lang="vi-VN"/>
           </a:p>
@@ -1469,7 +1469,7 @@
           </a:lstStyle>
           <a:p>
             <a:r>
-              <a:rPr lang="en-US" altLang="zh-TW" smtClean="0"/>
+              <a:rPr lang="en-US" altLang="zh-TW"/>
               <a:t>Click to edit Master title style</a:t>
             </a:r>
             <a:endParaRPr lang="zh-TW" altLang="en-US"/>
@@ -1535,7 +1535,7 @@
           <a:p>
             <a:pPr lvl="0"/>
             <a:r>
-              <a:rPr lang="en-US" altLang="zh-TW" smtClean="0"/>
+              <a:rPr lang="en-US" altLang="zh-TW"/>
               <a:t>Edit Master text styles</a:t>
             </a:r>
           </a:p>
@@ -1591,35 +1591,35 @@
           <a:p>
             <a:pPr lvl="0"/>
             <a:r>
-              <a:rPr lang="en-US" altLang="zh-TW" smtClean="0"/>
+              <a:rPr lang="en-US" altLang="zh-TW"/>
               <a:t>Edit Master text styles</a:t>
             </a:r>
           </a:p>
           <a:p>
             <a:pPr lvl="1"/>
             <a:r>
-              <a:rPr lang="en-US" altLang="zh-TW" smtClean="0"/>
+              <a:rPr lang="en-US" altLang="zh-TW"/>
               <a:t>Second level</a:t>
             </a:r>
           </a:p>
           <a:p>
             <a:pPr lvl="2"/>
             <a:r>
-              <a:rPr lang="en-US" altLang="zh-TW" smtClean="0"/>
+              <a:rPr lang="en-US" altLang="zh-TW"/>
               <a:t>Third level</a:t>
             </a:r>
           </a:p>
           <a:p>
             <a:pPr lvl="3"/>
             <a:r>
-              <a:rPr lang="en-US" altLang="zh-TW" smtClean="0"/>
+              <a:rPr lang="en-US" altLang="zh-TW"/>
               <a:t>Fourth level</a:t>
             </a:r>
           </a:p>
           <a:p>
             <a:pPr lvl="4"/>
             <a:r>
-              <a:rPr lang="en-US" altLang="zh-TW" smtClean="0"/>
+              <a:rPr lang="en-US" altLang="zh-TW"/>
               <a:t>Fifth level</a:t>
             </a:r>
             <a:endParaRPr lang="zh-TW" altLang="en-US"/>
@@ -1685,7 +1685,7 @@
           <a:p>
             <a:pPr lvl="0"/>
             <a:r>
-              <a:rPr lang="en-US" altLang="zh-TW" smtClean="0"/>
+              <a:rPr lang="en-US" altLang="zh-TW"/>
               <a:t>Edit Master text styles</a:t>
             </a:r>
           </a:p>
@@ -1741,35 +1741,35 @@
           <a:p>
             <a:pPr lvl="0"/>
             <a:r>
-              <a:rPr lang="en-US" altLang="zh-TW" smtClean="0"/>
+              <a:rPr lang="en-US" altLang="zh-TW"/>
               <a:t>Edit Master text styles</a:t>
             </a:r>
           </a:p>
           <a:p>
             <a:pPr lvl="1"/>
             <a:r>
-              <a:rPr lang="en-US" altLang="zh-TW" smtClean="0"/>
+              <a:rPr lang="en-US" altLang="zh-TW"/>
               <a:t>Second level</a:t>
             </a:r>
           </a:p>
           <a:p>
             <a:pPr lvl="2"/>
             <a:r>
-              <a:rPr lang="en-US" altLang="zh-TW" smtClean="0"/>
+              <a:rPr lang="en-US" altLang="zh-TW"/>
               <a:t>Third level</a:t>
             </a:r>
           </a:p>
           <a:p>
             <a:pPr lvl="3"/>
             <a:r>
-              <a:rPr lang="en-US" altLang="zh-TW" smtClean="0"/>
+              <a:rPr lang="en-US" altLang="zh-TW"/>
               <a:t>Fourth level</a:t>
             </a:r>
           </a:p>
           <a:p>
             <a:pPr lvl="4"/>
             <a:r>
-              <a:rPr lang="en-US" altLang="zh-TW" smtClean="0"/>
+              <a:rPr lang="en-US" altLang="zh-TW"/>
               <a:t>Fifth level</a:t>
             </a:r>
             <a:endParaRPr lang="zh-TW" altLang="en-US"/>
@@ -1793,7 +1793,7 @@
           <a:p>
             <a:fld id="{73C63620-0EF9-431F-AFEA-5D24723690A5}" type="datetimeFigureOut">
               <a:rPr lang="vi-VN" smtClean="0"/>
-              <a:t>24/12/2022</a:t>
+              <a:t>16/12/2023</a:t>
             </a:fld>
             <a:endParaRPr lang="vi-VN"/>
           </a:p>
@@ -1887,7 +1887,7 @@
           <a:lstStyle/>
           <a:p>
             <a:r>
-              <a:rPr lang="en-US" altLang="zh-TW" smtClean="0"/>
+              <a:rPr lang="en-US" altLang="zh-TW"/>
               <a:t>Click to edit Master title style</a:t>
             </a:r>
             <a:endParaRPr lang="zh-TW" altLang="en-US"/>
@@ -1911,7 +1911,7 @@
           <a:p>
             <a:fld id="{73C63620-0EF9-431F-AFEA-5D24723690A5}" type="datetimeFigureOut">
               <a:rPr lang="vi-VN" smtClean="0"/>
-              <a:t>24/12/2022</a:t>
+              <a:t>16/12/2023</a:t>
             </a:fld>
             <a:endParaRPr lang="vi-VN"/>
           </a:p>
@@ -2006,7 +2006,7 @@
           <a:p>
             <a:fld id="{73C63620-0EF9-431F-AFEA-5D24723690A5}" type="datetimeFigureOut">
               <a:rPr lang="vi-VN" smtClean="0"/>
-              <a:t>24/12/2022</a:t>
+              <a:t>16/12/2023</a:t>
             </a:fld>
             <a:endParaRPr lang="vi-VN"/>
           </a:p>
@@ -2109,7 +2109,7 @@
           </a:lstStyle>
           <a:p>
             <a:r>
-              <a:rPr lang="en-US" altLang="zh-TW" smtClean="0"/>
+              <a:rPr lang="en-US" altLang="zh-TW"/>
               <a:t>Click to edit Master title style</a:t>
             </a:r>
             <a:endParaRPr lang="zh-TW" altLang="en-US"/>
@@ -2166,35 +2166,35 @@
           <a:p>
             <a:pPr lvl="0"/>
             <a:r>
-              <a:rPr lang="en-US" altLang="zh-TW" smtClean="0"/>
+              <a:rPr lang="en-US" altLang="zh-TW"/>
               <a:t>Edit Master text styles</a:t>
             </a:r>
           </a:p>
           <a:p>
             <a:pPr lvl="1"/>
             <a:r>
-              <a:rPr lang="en-US" altLang="zh-TW" smtClean="0"/>
+              <a:rPr lang="en-US" altLang="zh-TW"/>
               <a:t>Second level</a:t>
             </a:r>
           </a:p>
           <a:p>
             <a:pPr lvl="2"/>
             <a:r>
-              <a:rPr lang="en-US" altLang="zh-TW" smtClean="0"/>
+              <a:rPr lang="en-US" altLang="zh-TW"/>
               <a:t>Third level</a:t>
             </a:r>
           </a:p>
           <a:p>
             <a:pPr lvl="3"/>
             <a:r>
-              <a:rPr lang="en-US" altLang="zh-TW" smtClean="0"/>
+              <a:rPr lang="en-US" altLang="zh-TW"/>
               <a:t>Fourth level</a:t>
             </a:r>
           </a:p>
           <a:p>
             <a:pPr lvl="4"/>
             <a:r>
-              <a:rPr lang="en-US" altLang="zh-TW" smtClean="0"/>
+              <a:rPr lang="en-US" altLang="zh-TW"/>
               <a:t>Fifth level</a:t>
             </a:r>
             <a:endParaRPr lang="zh-TW" altLang="en-US"/>
@@ -2260,7 +2260,7 @@
           <a:p>
             <a:pPr lvl="0"/>
             <a:r>
-              <a:rPr lang="en-US" altLang="zh-TW" smtClean="0"/>
+              <a:rPr lang="en-US" altLang="zh-TW"/>
               <a:t>Edit Master text styles</a:t>
             </a:r>
           </a:p>
@@ -2283,7 +2283,7 @@
           <a:p>
             <a:fld id="{73C63620-0EF9-431F-AFEA-5D24723690A5}" type="datetimeFigureOut">
               <a:rPr lang="vi-VN" smtClean="0"/>
-              <a:t>24/12/2022</a:t>
+              <a:t>16/12/2023</a:t>
             </a:fld>
             <a:endParaRPr lang="vi-VN"/>
           </a:p>
@@ -2386,7 +2386,7 @@
           </a:lstStyle>
           <a:p>
             <a:r>
-              <a:rPr lang="en-US" altLang="zh-TW" smtClean="0"/>
+              <a:rPr lang="en-US" altLang="zh-TW"/>
               <a:t>Click to edit Master title style</a:t>
             </a:r>
             <a:endParaRPr lang="zh-TW" altLang="en-US"/>
@@ -2451,7 +2451,7 @@
           </a:lstStyle>
           <a:p>
             <a:r>
-              <a:rPr lang="en-US" altLang="zh-TW" smtClean="0"/>
+              <a:rPr lang="en-US" altLang="zh-TW"/>
               <a:t>Click icon to add picture</a:t>
             </a:r>
             <a:endParaRPr lang="zh-TW" altLang="en-US"/>
@@ -2517,7 +2517,7 @@
           <a:p>
             <a:pPr lvl="0"/>
             <a:r>
-              <a:rPr lang="en-US" altLang="zh-TW" smtClean="0"/>
+              <a:rPr lang="en-US" altLang="zh-TW"/>
               <a:t>Edit Master text styles</a:t>
             </a:r>
           </a:p>
@@ -2540,7 +2540,7 @@
           <a:p>
             <a:fld id="{73C63620-0EF9-431F-AFEA-5D24723690A5}" type="datetimeFigureOut">
               <a:rPr lang="vi-VN" smtClean="0"/>
-              <a:t>24/12/2022</a:t>
+              <a:t>16/12/2023</a:t>
             </a:fld>
             <a:endParaRPr lang="vi-VN"/>
           </a:p>
@@ -2654,10 +2654,9 @@
           <a:lstStyle/>
           <a:p>
             <a:r>
-              <a:rPr lang="zh-TW" altLang="en-US" smtClean="0"/>
+              <a:rPr lang="zh-TW" altLang="en-US"/>
               <a:t>按一下以編輯母片標題樣式</a:t>
             </a:r>
-            <a:endParaRPr lang="zh-TW" altLang="en-US"/>
           </a:p>
         </p:txBody>
       </p:sp>
@@ -2688,38 +2687,37 @@
           <a:p>
             <a:pPr lvl="0"/>
             <a:r>
-              <a:rPr lang="zh-TW" altLang="en-US" smtClean="0"/>
+              <a:rPr lang="zh-TW" altLang="en-US"/>
               <a:t>按一下以編輯母片文字樣式</a:t>
             </a:r>
           </a:p>
           <a:p>
             <a:pPr lvl="1"/>
             <a:r>
-              <a:rPr lang="zh-TW" altLang="en-US" smtClean="0"/>
+              <a:rPr lang="zh-TW" altLang="en-US"/>
               <a:t>第二層</a:t>
             </a:r>
           </a:p>
           <a:p>
             <a:pPr lvl="2"/>
             <a:r>
-              <a:rPr lang="zh-TW" altLang="en-US" smtClean="0"/>
+              <a:rPr lang="zh-TW" altLang="en-US"/>
               <a:t>第三層</a:t>
             </a:r>
           </a:p>
           <a:p>
             <a:pPr lvl="3"/>
             <a:r>
-              <a:rPr lang="zh-TW" altLang="en-US" smtClean="0"/>
+              <a:rPr lang="zh-TW" altLang="en-US"/>
               <a:t>第四層</a:t>
             </a:r>
           </a:p>
           <a:p>
             <a:pPr lvl="4"/>
             <a:r>
-              <a:rPr lang="zh-TW" altLang="en-US" smtClean="0"/>
+              <a:rPr lang="zh-TW" altLang="en-US"/>
               <a:t>第五層</a:t>
             </a:r>
-            <a:endParaRPr lang="zh-TW" altLang="en-US"/>
           </a:p>
         </p:txBody>
       </p:sp>
@@ -2758,7 +2756,7 @@
           <a:p>
             <a:fld id="{73C63620-0EF9-431F-AFEA-5D24723690A5}" type="datetimeFigureOut">
               <a:rPr lang="vi-VN" smtClean="0"/>
-              <a:t>24/12/2022</a:t>
+              <a:t>16/12/2023</a:t>
             </a:fld>
             <a:endParaRPr lang="vi-VN"/>
           </a:p>
@@ -3156,7 +3154,7 @@
           <a:lstStyle/>
           <a:p>
             <a:r>
-              <a:rPr lang="zh-CN" altLang="en-US" sz="7200" b="1" i="1" dirty="0" smtClean="0">
+              <a:rPr lang="zh-CN" altLang="en-US" sz="7200" b="1" i="1" dirty="0">
                 <a:solidFill>
                   <a:srgbClr val="660033"/>
                 </a:solidFill>
@@ -3228,7 +3226,7 @@
           </a:lstStyle>
           <a:p>
             <a:r>
-              <a:rPr lang="vi-VN" sz="5400" b="1" i="1" dirty="0" smtClean="0">
+              <a:rPr lang="vi-VN" sz="5400" b="1" i="1" dirty="0">
                 <a:solidFill>
                   <a:srgbClr val="000066"/>
                 </a:solidFill>
@@ -3243,25 +3241,7 @@
                 <a:ea typeface="微軟正黑體" pitchFamily="34" charset="-120"/>
                 <a:cs typeface="Calibri" panose="020F0502020204030204" pitchFamily="34" charset="0"/>
               </a:rPr>
-              <a:t>Tiếng </a:t>
-            </a:r>
-            <a:r>
-              <a:rPr lang="vi-VN" sz="5400" b="1" i="1" dirty="0">
-                <a:solidFill>
-                  <a:srgbClr val="000066"/>
-                </a:solidFill>
-                <a:effectLst>
-                  <a:outerShdw blurRad="38100" dist="38100" dir="2700000" algn="tl">
-                    <a:srgbClr val="000000">
-                      <a:alpha val="43137"/>
-                    </a:srgbClr>
-                  </a:outerShdw>
-                </a:effectLst>
-                <a:latin typeface="Calibri" panose="020F0502020204030204" pitchFamily="34" charset="0"/>
-                <a:ea typeface="微軟正黑體" pitchFamily="34" charset="-120"/>
-                <a:cs typeface="Calibri" panose="020F0502020204030204" pitchFamily="34" charset="0"/>
-              </a:rPr>
-              <a:t>Hát Thiên Binh</a:t>
+              <a:t>Tiếng Hát Thiên Binh</a:t>
             </a:r>
             <a:endParaRPr lang="zh-TW" altLang="en-US" sz="5400" b="1" i="1" dirty="0">
               <a:solidFill>
@@ -3594,7 +3574,7 @@
           <a:p>
             <a:pPr algn="ctr"/>
             <a:r>
-              <a:rPr lang="en-US" sz="3600" b="1" dirty="0" smtClean="0">
+              <a:rPr lang="en-US" sz="3600" b="1" dirty="0">
                 <a:solidFill>
                   <a:srgbClr val="000066"/>
                 </a:solidFill>
@@ -3912,7 +3892,7 @@
           <a:p>
             <a:pPr algn="ctr"/>
             <a:r>
-              <a:rPr lang="en-US" sz="3600" b="1" dirty="0" smtClean="0">
+              <a:rPr lang="en-US" sz="3600" b="1" dirty="0">
                 <a:solidFill>
                   <a:srgbClr val="000066"/>
                 </a:solidFill>
@@ -4210,7 +4190,7 @@
           <a:p>
             <a:pPr algn="ctr"/>
             <a:r>
-              <a:rPr lang="en-US" sz="3600" b="1" dirty="0" smtClean="0">
+              <a:rPr lang="en-US" sz="3600" b="1" dirty="0">
                 <a:solidFill>
                   <a:srgbClr val="000066"/>
                 </a:solidFill>
@@ -4464,29 +4444,7 @@
                 <a:ea typeface="微軟正黑體" pitchFamily="34" charset="-120"/>
                 <a:cs typeface="Calibri" panose="020F0502020204030204" pitchFamily="34" charset="0"/>
               </a:rPr>
-              <a:t>Ca mừng đêm </a:t>
-            </a:r>
-            <a:r>
-              <a:rPr lang="vi-VN" sz="4400" b="1" dirty="0" smtClean="0">
-                <a:solidFill>
-                  <a:srgbClr val="000066"/>
-                </a:solidFill>
-                <a:latin typeface="Calibri" panose="020F0502020204030204" pitchFamily="34" charset="0"/>
-                <a:ea typeface="微軟正黑體" pitchFamily="34" charset="-120"/>
-                <a:cs typeface="Calibri" panose="020F0502020204030204" pitchFamily="34" charset="0"/>
-              </a:rPr>
-              <a:t>Chúa ta </a:t>
-            </a:r>
-            <a:r>
-              <a:rPr lang="vi-VN" sz="4400" b="1" dirty="0">
-                <a:solidFill>
-                  <a:srgbClr val="000066"/>
-                </a:solidFill>
-                <a:latin typeface="Calibri" panose="020F0502020204030204" pitchFamily="34" charset="0"/>
-                <a:ea typeface="微軟正黑體" pitchFamily="34" charset="-120"/>
-                <a:cs typeface="Calibri" panose="020F0502020204030204" pitchFamily="34" charset="0"/>
-              </a:rPr>
-              <a:t>lâm phàm</a:t>
+              <a:t>Ca mừng đêm Chúa ta lâm phàm</a:t>
             </a:r>
             <a:endParaRPr lang="en-US" sz="4400" b="1" dirty="0">
               <a:solidFill>
@@ -4523,7 +4481,7 @@
           <a:p>
             <a:pPr algn="ctr"/>
             <a:r>
-              <a:rPr lang="en-US" sz="3600" b="1" dirty="0" smtClean="0">
+              <a:rPr lang="en-US" sz="3600" b="1" dirty="0">
                 <a:solidFill>
                   <a:srgbClr val="000066"/>
                 </a:solidFill>
@@ -4594,7 +4552,7 @@
               <a:buNone/>
             </a:pPr>
             <a:r>
-              <a:rPr lang="zh-TW" altLang="en-US" sz="6400" b="1" dirty="0" smtClean="0">
+              <a:rPr lang="zh-TW" altLang="en-US" sz="6400" b="1" dirty="0">
                 <a:solidFill>
                   <a:srgbClr val="660033"/>
                 </a:solidFill>
@@ -4604,7 +4562,7 @@
               <a:t>榮</a:t>
             </a:r>
             <a:r>
-              <a:rPr lang="en-US" altLang="zh-TW" sz="6400" b="1" dirty="0" smtClean="0">
+              <a:rPr lang="en-US" altLang="zh-TW" sz="6400" b="1" dirty="0">
                 <a:solidFill>
                   <a:srgbClr val="660033"/>
                 </a:solidFill>
@@ -4614,24 +4572,14 @@
               <a:t>~</a:t>
             </a:r>
             <a:r>
-              <a:rPr lang="zh-TW" altLang="en-US" sz="6400" b="1" dirty="0" smtClean="0">
+              <a:rPr lang="zh-TW" altLang="en-US" sz="6400" b="1" dirty="0">
                 <a:solidFill>
                   <a:srgbClr val="660033"/>
                 </a:solidFill>
                 <a:latin typeface="微軟正黑體" pitchFamily="34" charset="-120"/>
                 <a:ea typeface="微軟正黑體" pitchFamily="34" charset="-120"/>
               </a:rPr>
-              <a:t>耀  </a:t>
-            </a:r>
-            <a:r>
-              <a:rPr lang="zh-TW" altLang="en-US" sz="6400" b="1" dirty="0">
-                <a:solidFill>
-                  <a:srgbClr val="660033"/>
-                </a:solidFill>
-                <a:latin typeface="微軟正黑體" pitchFamily="34" charset="-120"/>
-                <a:ea typeface="微軟正黑體" pitchFamily="34" charset="-120"/>
-              </a:rPr>
-              <a:t>榮耀</a:t>
+              <a:t>耀  榮耀</a:t>
             </a:r>
           </a:p>
         </p:txBody>
@@ -4818,7 +4766,40 @@
                 <a:ea typeface="微軟正黑體" pitchFamily="34" charset="-120"/>
                 <a:cs typeface="Calibri" panose="020F0502020204030204" pitchFamily="34" charset="0"/>
               </a:rPr>
-              <a:t> (x3)</a:t>
+              <a:t> </a:t>
+            </a:r>
+            <a:r>
+              <a:rPr lang="en-US" sz="3200" b="1" dirty="0">
+                <a:solidFill>
+                  <a:srgbClr val="000066"/>
+                </a:solidFill>
+                <a:latin typeface="Calibri" panose="020F0502020204030204" pitchFamily="34" charset="0"/>
+                <a:ea typeface="微軟正黑體" pitchFamily="34" charset="-120"/>
+                <a:cs typeface="Calibri" panose="020F0502020204030204" pitchFamily="34" charset="0"/>
+              </a:rPr>
+              <a:t>(3 </a:t>
+            </a:r>
+            <a:r>
+              <a:rPr lang="en-US" sz="3200" b="1" dirty="0" err="1">
+                <a:solidFill>
+                  <a:srgbClr val="000066"/>
+                </a:solidFill>
+                <a:latin typeface="Calibri" panose="020F0502020204030204" pitchFamily="34" charset="0"/>
+                <a:ea typeface="微軟正黑體" pitchFamily="34" charset="-120"/>
+                <a:cs typeface="Calibri" panose="020F0502020204030204" pitchFamily="34" charset="0"/>
+              </a:rPr>
+              <a:t>lần</a:t>
+            </a:r>
+            <a:r>
+              <a:rPr lang="en-US" sz="3200" b="1" dirty="0">
+                <a:solidFill>
+                  <a:srgbClr val="000066"/>
+                </a:solidFill>
+                <a:latin typeface="Calibri" panose="020F0502020204030204" pitchFamily="34" charset="0"/>
+                <a:ea typeface="微軟正黑體" pitchFamily="34" charset="-120"/>
+                <a:cs typeface="Calibri" panose="020F0502020204030204" pitchFamily="34" charset="0"/>
+              </a:rPr>
+              <a:t>)</a:t>
             </a:r>
             <a:r>
               <a:rPr lang="vi-VN" sz="4400" b="1" dirty="0">
@@ -4898,7 +4879,7 @@
               <a:buNone/>
             </a:pPr>
             <a:r>
-              <a:rPr lang="zh-CN" altLang="en-US" sz="6400" b="1" dirty="0" smtClean="0">
+              <a:rPr lang="zh-CN" altLang="en-US" sz="6400" b="1" dirty="0">
                 <a:solidFill>
                   <a:srgbClr val="660033"/>
                 </a:solidFill>
@@ -4908,24 +4889,14 @@
               <a:t>歸於至高</a:t>
             </a:r>
             <a:r>
-              <a:rPr lang="zh-TW" altLang="en-US" sz="6400" b="1" dirty="0" smtClean="0">
+              <a:rPr lang="zh-TW" altLang="en-US" sz="6400" b="1" dirty="0">
                 <a:solidFill>
                   <a:srgbClr val="660033"/>
                 </a:solidFill>
                 <a:latin typeface="微軟正黑體" pitchFamily="34" charset="-120"/>
                 <a:ea typeface="微軟正黑體" pitchFamily="34" charset="-120"/>
               </a:rPr>
-              <a:t>真</a:t>
-            </a:r>
-            <a:r>
-              <a:rPr lang="zh-TW" altLang="en-US" sz="6400" b="1" dirty="0">
-                <a:solidFill>
-                  <a:srgbClr val="660033"/>
-                </a:solidFill>
-                <a:latin typeface="微軟正黑體" pitchFamily="34" charset="-120"/>
-                <a:ea typeface="微軟正黑體" pitchFamily="34" charset="-120"/>
-              </a:rPr>
-              <a:t>神</a:t>
+              <a:t>真神</a:t>
             </a:r>
           </a:p>
         </p:txBody>
@@ -5364,7 +5335,40 @@
                 <a:ea typeface="微軟正黑體" pitchFamily="34" charset="-120"/>
                 <a:cs typeface="Calibri" panose="020F0502020204030204" pitchFamily="34" charset="0"/>
               </a:rPr>
-              <a:t> (x3)</a:t>
+              <a:t> </a:t>
+            </a:r>
+            <a:r>
+              <a:rPr lang="en-US" sz="3200" b="1" dirty="0">
+                <a:solidFill>
+                  <a:srgbClr val="000066"/>
+                </a:solidFill>
+                <a:latin typeface="Calibri" panose="020F0502020204030204" pitchFamily="34" charset="0"/>
+                <a:ea typeface="微軟正黑體" pitchFamily="34" charset="-120"/>
+                <a:cs typeface="Calibri" panose="020F0502020204030204" pitchFamily="34" charset="0"/>
+              </a:rPr>
+              <a:t>(3 </a:t>
+            </a:r>
+            <a:r>
+              <a:rPr lang="en-US" sz="3200" b="1" dirty="0" err="1">
+                <a:solidFill>
+                  <a:srgbClr val="000066"/>
+                </a:solidFill>
+                <a:latin typeface="Calibri" panose="020F0502020204030204" pitchFamily="34" charset="0"/>
+                <a:ea typeface="微軟正黑體" pitchFamily="34" charset="-120"/>
+                <a:cs typeface="Calibri" panose="020F0502020204030204" pitchFamily="34" charset="0"/>
+              </a:rPr>
+              <a:t>lần</a:t>
+            </a:r>
+            <a:r>
+              <a:rPr lang="en-US" sz="3200" b="1" dirty="0">
+                <a:solidFill>
+                  <a:srgbClr val="000066"/>
+                </a:solidFill>
+                <a:latin typeface="Calibri" panose="020F0502020204030204" pitchFamily="34" charset="0"/>
+                <a:ea typeface="微軟正黑體" pitchFamily="34" charset="-120"/>
+                <a:cs typeface="Calibri" panose="020F0502020204030204" pitchFamily="34" charset="0"/>
+              </a:rPr>
+              <a:t>)</a:t>
             </a:r>
             <a:r>
               <a:rPr lang="vi-VN" sz="4400" b="1" dirty="0">
@@ -5637,29 +5641,7 @@
                 <a:ea typeface="微軟正黑體" pitchFamily="34" charset="-120"/>
                 <a:cs typeface="Calibri" panose="020F0502020204030204" pitchFamily="34" charset="0"/>
               </a:rPr>
-              <a:t>Nguyện danh Thiên Chúa </a:t>
-            </a:r>
-            <a:r>
-              <a:rPr lang="vi-VN" sz="4400" b="1" dirty="0" smtClean="0">
-                <a:solidFill>
-                  <a:srgbClr val="000066"/>
-                </a:solidFill>
-                <a:latin typeface="Calibri" panose="020F0502020204030204" pitchFamily="34" charset="0"/>
-                <a:ea typeface="微軟正黑體" pitchFamily="34" charset="-120"/>
-                <a:cs typeface="Calibri" panose="020F0502020204030204" pitchFamily="34" charset="0"/>
-              </a:rPr>
-              <a:t>huy </a:t>
-            </a:r>
-            <a:r>
-              <a:rPr lang="vi-VN" sz="4400" b="1" dirty="0">
-                <a:solidFill>
-                  <a:srgbClr val="000066"/>
-                </a:solidFill>
-                <a:latin typeface="Calibri" panose="020F0502020204030204" pitchFamily="34" charset="0"/>
-                <a:ea typeface="微軟正黑體" pitchFamily="34" charset="-120"/>
-                <a:cs typeface="Calibri" panose="020F0502020204030204" pitchFamily="34" charset="0"/>
-              </a:rPr>
-              <a:t>hoàng</a:t>
+              <a:t>Nguyện danh Thiên Chúa huy hoàng</a:t>
             </a:r>
             <a:endParaRPr lang="en-US" sz="4400" b="1" dirty="0">
               <a:solidFill>
@@ -5955,7 +5937,7 @@
           <a:p>
             <a:pPr algn="ctr"/>
             <a:r>
-              <a:rPr lang="en-US" sz="3600" b="1" dirty="0" smtClean="0">
+              <a:rPr lang="en-US" sz="3600" b="1" dirty="0">
                 <a:solidFill>
                   <a:srgbClr val="000066"/>
                 </a:solidFill>
@@ -6253,7 +6235,7 @@
           <a:p>
             <a:pPr algn="ctr"/>
             <a:r>
-              <a:rPr lang="en-US" sz="3600" b="1" dirty="0" smtClean="0">
+              <a:rPr lang="en-US" sz="3600" b="1" dirty="0">
                 <a:solidFill>
                   <a:srgbClr val="000066"/>
                 </a:solidFill>
@@ -6556,23 +6538,7 @@
                   <a:srgbClr val="000066"/>
                 </a:solidFill>
               </a:rPr>
-              <a:t>( </a:t>
-            </a:r>
-            <a:r>
-              <a:rPr lang="en-US" sz="3600" b="1" dirty="0" smtClean="0">
-                <a:solidFill>
-                  <a:srgbClr val="000066"/>
-                </a:solidFill>
-              </a:rPr>
-              <a:t>1 / 3 </a:t>
-            </a:r>
-            <a:r>
-              <a:rPr lang="en-US" sz="3600" b="1" dirty="0">
-                <a:solidFill>
-                  <a:srgbClr val="000066"/>
-                </a:solidFill>
-              </a:rPr>
-              <a:t>)</a:t>
+              <a:t>( 1 / 3 )</a:t>
             </a:r>
             <a:endParaRPr lang="vi-VN" sz="3600" b="1" dirty="0">
               <a:solidFill>
@@ -6865,7 +6831,7 @@
           <a:p>
             <a:pPr algn="ctr"/>
             <a:r>
-              <a:rPr lang="en-US" sz="3600" b="1" dirty="0" smtClean="0">
+              <a:rPr lang="en-US" sz="3600" b="1" dirty="0">
                 <a:solidFill>
                   <a:srgbClr val="000066"/>
                 </a:solidFill>
@@ -7163,7 +7129,7 @@
           <a:p>
             <a:pPr algn="ctr"/>
             <a:r>
-              <a:rPr lang="en-US" sz="3600" b="1" dirty="0" smtClean="0">
+              <a:rPr lang="en-US" sz="3600" b="1" dirty="0">
                 <a:solidFill>
                   <a:srgbClr val="000066"/>
                 </a:solidFill>
@@ -7234,7 +7200,7 @@
               <a:buNone/>
             </a:pPr>
             <a:r>
-              <a:rPr lang="zh-TW" altLang="en-US" sz="6400" b="1" dirty="0" smtClean="0">
+              <a:rPr lang="zh-TW" altLang="en-US" sz="6400" b="1" dirty="0">
                 <a:solidFill>
                   <a:srgbClr val="660033"/>
                 </a:solidFill>
@@ -7244,7 +7210,7 @@
               <a:t>榮</a:t>
             </a:r>
             <a:r>
-              <a:rPr lang="en-US" altLang="zh-TW" sz="6400" b="1" dirty="0" smtClean="0">
+              <a:rPr lang="en-US" altLang="zh-TW" sz="6400" b="1" dirty="0">
                 <a:solidFill>
                   <a:srgbClr val="660033"/>
                 </a:solidFill>
@@ -7254,24 +7220,14 @@
               <a:t>~</a:t>
             </a:r>
             <a:r>
-              <a:rPr lang="zh-TW" altLang="en-US" sz="6400" b="1" dirty="0" smtClean="0">
+              <a:rPr lang="zh-TW" altLang="en-US" sz="6400" b="1" dirty="0">
                 <a:solidFill>
                   <a:srgbClr val="660033"/>
                 </a:solidFill>
                 <a:latin typeface="微軟正黑體" pitchFamily="34" charset="-120"/>
                 <a:ea typeface="微軟正黑體" pitchFamily="34" charset="-120"/>
               </a:rPr>
-              <a:t>耀  </a:t>
-            </a:r>
-            <a:r>
-              <a:rPr lang="zh-TW" altLang="en-US" sz="6400" b="1" dirty="0">
-                <a:solidFill>
-                  <a:srgbClr val="660033"/>
-                </a:solidFill>
-                <a:latin typeface="微軟正黑體" pitchFamily="34" charset="-120"/>
-                <a:ea typeface="微軟正黑體" pitchFamily="34" charset="-120"/>
-              </a:rPr>
-              <a:t>榮耀</a:t>
+              <a:t>耀  榮耀</a:t>
             </a:r>
           </a:p>
         </p:txBody>
@@ -7458,7 +7414,40 @@
                 <a:ea typeface="微軟正黑體" pitchFamily="34" charset="-120"/>
                 <a:cs typeface="Calibri" panose="020F0502020204030204" pitchFamily="34" charset="0"/>
               </a:rPr>
-              <a:t> (x3)</a:t>
+              <a:t> </a:t>
+            </a:r>
+            <a:r>
+              <a:rPr lang="en-US" sz="3200" b="1" dirty="0">
+                <a:solidFill>
+                  <a:srgbClr val="000066"/>
+                </a:solidFill>
+                <a:latin typeface="Calibri" panose="020F0502020204030204" pitchFamily="34" charset="0"/>
+                <a:ea typeface="微軟正黑體" pitchFamily="34" charset="-120"/>
+                <a:cs typeface="Calibri" panose="020F0502020204030204" pitchFamily="34" charset="0"/>
+              </a:rPr>
+              <a:t>(3 </a:t>
+            </a:r>
+            <a:r>
+              <a:rPr lang="en-US" sz="3200" b="1" dirty="0" err="1">
+                <a:solidFill>
+                  <a:srgbClr val="000066"/>
+                </a:solidFill>
+                <a:latin typeface="Calibri" panose="020F0502020204030204" pitchFamily="34" charset="0"/>
+                <a:ea typeface="微軟正黑體" pitchFamily="34" charset="-120"/>
+                <a:cs typeface="Calibri" panose="020F0502020204030204" pitchFamily="34" charset="0"/>
+              </a:rPr>
+              <a:t>lần</a:t>
+            </a:r>
+            <a:r>
+              <a:rPr lang="en-US" sz="3200" b="1" dirty="0">
+                <a:solidFill>
+                  <a:srgbClr val="000066"/>
+                </a:solidFill>
+                <a:latin typeface="Calibri" panose="020F0502020204030204" pitchFamily="34" charset="0"/>
+                <a:ea typeface="微軟正黑體" pitchFamily="34" charset="-120"/>
+                <a:cs typeface="Calibri" panose="020F0502020204030204" pitchFamily="34" charset="0"/>
+              </a:rPr>
+              <a:t>)</a:t>
             </a:r>
             <a:r>
               <a:rPr lang="vi-VN" sz="4400" b="1" dirty="0">
@@ -7538,7 +7527,7 @@
               <a:buNone/>
             </a:pPr>
             <a:r>
-              <a:rPr lang="zh-CN" altLang="en-US" sz="6400" b="1" dirty="0" smtClean="0">
+              <a:rPr lang="zh-CN" altLang="en-US" sz="6400" b="1" dirty="0">
                 <a:solidFill>
                   <a:srgbClr val="660033"/>
                 </a:solidFill>
@@ -7548,24 +7537,14 @@
               <a:t>歸於至高</a:t>
             </a:r>
             <a:r>
-              <a:rPr lang="zh-TW" altLang="en-US" sz="6400" b="1" dirty="0" smtClean="0">
+              <a:rPr lang="zh-TW" altLang="en-US" sz="6400" b="1" dirty="0">
                 <a:solidFill>
                   <a:srgbClr val="660033"/>
                 </a:solidFill>
                 <a:latin typeface="微軟正黑體" pitchFamily="34" charset="-120"/>
                 <a:ea typeface="微軟正黑體" pitchFamily="34" charset="-120"/>
               </a:rPr>
-              <a:t>真</a:t>
-            </a:r>
-            <a:r>
-              <a:rPr lang="zh-TW" altLang="en-US" sz="6400" b="1" dirty="0">
-                <a:solidFill>
-                  <a:srgbClr val="660033"/>
-                </a:solidFill>
-                <a:latin typeface="微軟正黑體" pitchFamily="34" charset="-120"/>
-                <a:ea typeface="微軟正黑體" pitchFamily="34" charset="-120"/>
-              </a:rPr>
-              <a:t>神</a:t>
+              <a:t>真神</a:t>
             </a:r>
           </a:p>
         </p:txBody>
@@ -8004,7 +7983,40 @@
                 <a:ea typeface="微軟正黑體" pitchFamily="34" charset="-120"/>
                 <a:cs typeface="Calibri" panose="020F0502020204030204" pitchFamily="34" charset="0"/>
               </a:rPr>
-              <a:t> (x3)</a:t>
+              <a:t> </a:t>
+            </a:r>
+            <a:r>
+              <a:rPr lang="en-US" sz="3200" b="1" dirty="0">
+                <a:solidFill>
+                  <a:srgbClr val="000066"/>
+                </a:solidFill>
+                <a:latin typeface="Calibri" panose="020F0502020204030204" pitchFamily="34" charset="0"/>
+                <a:ea typeface="微軟正黑體" pitchFamily="34" charset="-120"/>
+                <a:cs typeface="Calibri" panose="020F0502020204030204" pitchFamily="34" charset="0"/>
+              </a:rPr>
+              <a:t>(3 </a:t>
+            </a:r>
+            <a:r>
+              <a:rPr lang="en-US" sz="3200" b="1" dirty="0" err="1">
+                <a:solidFill>
+                  <a:srgbClr val="000066"/>
+                </a:solidFill>
+                <a:latin typeface="Calibri" panose="020F0502020204030204" pitchFamily="34" charset="0"/>
+                <a:ea typeface="微軟正黑體" pitchFamily="34" charset="-120"/>
+                <a:cs typeface="Calibri" panose="020F0502020204030204" pitchFamily="34" charset="0"/>
+              </a:rPr>
+              <a:t>lần</a:t>
+            </a:r>
+            <a:r>
+              <a:rPr lang="en-US" sz="3200" b="1" dirty="0">
+                <a:solidFill>
+                  <a:srgbClr val="000066"/>
+                </a:solidFill>
+                <a:latin typeface="Calibri" panose="020F0502020204030204" pitchFamily="34" charset="0"/>
+                <a:ea typeface="微軟正黑體" pitchFamily="34" charset="-120"/>
+                <a:cs typeface="Calibri" panose="020F0502020204030204" pitchFamily="34" charset="0"/>
+              </a:rPr>
+              <a:t>)</a:t>
             </a:r>
             <a:r>
               <a:rPr lang="vi-VN" sz="4400" b="1" dirty="0">
@@ -8277,29 +8289,7 @@
                 <a:ea typeface="微軟正黑體" pitchFamily="34" charset="-120"/>
                 <a:cs typeface="Calibri" panose="020F0502020204030204" pitchFamily="34" charset="0"/>
               </a:rPr>
-              <a:t>Nguyện danh Thiên Chúa </a:t>
-            </a:r>
-            <a:r>
-              <a:rPr lang="vi-VN" sz="4400" b="1" dirty="0" smtClean="0">
-                <a:solidFill>
-                  <a:srgbClr val="000066"/>
-                </a:solidFill>
-                <a:latin typeface="Calibri" panose="020F0502020204030204" pitchFamily="34" charset="0"/>
-                <a:ea typeface="微軟正黑體" pitchFamily="34" charset="-120"/>
-                <a:cs typeface="Calibri" panose="020F0502020204030204" pitchFamily="34" charset="0"/>
-              </a:rPr>
-              <a:t>huy </a:t>
-            </a:r>
-            <a:r>
-              <a:rPr lang="vi-VN" sz="4400" b="1" dirty="0">
-                <a:solidFill>
-                  <a:srgbClr val="000066"/>
-                </a:solidFill>
-                <a:latin typeface="Calibri" panose="020F0502020204030204" pitchFamily="34" charset="0"/>
-                <a:ea typeface="微軟正黑體" pitchFamily="34" charset="-120"/>
-                <a:cs typeface="Calibri" panose="020F0502020204030204" pitchFamily="34" charset="0"/>
-              </a:rPr>
-              <a:t>hoàng</a:t>
+              <a:t>Nguyện danh Thiên Chúa huy hoàng</a:t>
             </a:r>
             <a:endParaRPr lang="en-US" sz="4400" b="1" dirty="0">
               <a:solidFill>
@@ -8595,7 +8585,7 @@
           <a:p>
             <a:pPr algn="ctr"/>
             <a:r>
-              <a:rPr lang="en-US" sz="3600" b="1" dirty="0" smtClean="0">
+              <a:rPr lang="en-US" sz="3600" b="1" dirty="0">
                 <a:solidFill>
                   <a:srgbClr val="000066"/>
                 </a:solidFill>
@@ -8893,7 +8883,7 @@
           <a:p>
             <a:pPr algn="ctr"/>
             <a:r>
-              <a:rPr lang="en-US" sz="3600" b="1" dirty="0" smtClean="0">
+              <a:rPr lang="en-US" sz="3600" b="1" dirty="0">
                 <a:solidFill>
                   <a:srgbClr val="000066"/>
                 </a:solidFill>
@@ -9191,7 +9181,7 @@
           <a:p>
             <a:pPr algn="ctr"/>
             <a:r>
-              <a:rPr lang="en-US" sz="3600" b="1" dirty="0" smtClean="0">
+              <a:rPr lang="en-US" sz="3600" b="1" dirty="0">
                 <a:solidFill>
                   <a:srgbClr val="000066"/>
                 </a:solidFill>
@@ -9262,7 +9252,7 @@
               <a:buNone/>
             </a:pPr>
             <a:r>
-              <a:rPr lang="zh-TW" altLang="en-US" sz="6400" b="1" dirty="0" smtClean="0">
+              <a:rPr lang="zh-TW" altLang="en-US" sz="6400" b="1" dirty="0">
                 <a:solidFill>
                   <a:srgbClr val="660033"/>
                 </a:solidFill>
@@ -9272,7 +9262,7 @@
               <a:t>榮</a:t>
             </a:r>
             <a:r>
-              <a:rPr lang="en-US" altLang="zh-TW" sz="6400" b="1" dirty="0" smtClean="0">
+              <a:rPr lang="en-US" altLang="zh-TW" sz="6400" b="1" dirty="0">
                 <a:solidFill>
                   <a:srgbClr val="660033"/>
                 </a:solidFill>
@@ -9282,24 +9272,14 @@
               <a:t>~</a:t>
             </a:r>
             <a:r>
-              <a:rPr lang="zh-TW" altLang="en-US" sz="6400" b="1" dirty="0" smtClean="0">
+              <a:rPr lang="zh-TW" altLang="en-US" sz="6400" b="1" dirty="0">
                 <a:solidFill>
                   <a:srgbClr val="660033"/>
                 </a:solidFill>
                 <a:latin typeface="微軟正黑體" pitchFamily="34" charset="-120"/>
                 <a:ea typeface="微軟正黑體" pitchFamily="34" charset="-120"/>
               </a:rPr>
-              <a:t>耀  </a:t>
-            </a:r>
-            <a:r>
-              <a:rPr lang="zh-TW" altLang="en-US" sz="6400" b="1" dirty="0">
-                <a:solidFill>
-                  <a:srgbClr val="660033"/>
-                </a:solidFill>
-                <a:latin typeface="微軟正黑體" pitchFamily="34" charset="-120"/>
-                <a:ea typeface="微軟正黑體" pitchFamily="34" charset="-120"/>
-              </a:rPr>
-              <a:t>榮耀</a:t>
+              <a:t>耀  榮耀</a:t>
             </a:r>
           </a:p>
         </p:txBody>
@@ -9486,7 +9466,40 @@
                 <a:ea typeface="微軟正黑體" pitchFamily="34" charset="-120"/>
                 <a:cs typeface="Calibri" panose="020F0502020204030204" pitchFamily="34" charset="0"/>
               </a:rPr>
-              <a:t> (x3)</a:t>
+              <a:t> </a:t>
+            </a:r>
+            <a:r>
+              <a:rPr lang="en-US" sz="3200" b="1" dirty="0">
+                <a:solidFill>
+                  <a:srgbClr val="000066"/>
+                </a:solidFill>
+                <a:latin typeface="Calibri" panose="020F0502020204030204" pitchFamily="34" charset="0"/>
+                <a:ea typeface="微軟正黑體" pitchFamily="34" charset="-120"/>
+                <a:cs typeface="Calibri" panose="020F0502020204030204" pitchFamily="34" charset="0"/>
+              </a:rPr>
+              <a:t>(3 </a:t>
+            </a:r>
+            <a:r>
+              <a:rPr lang="en-US" sz="3200" b="1" dirty="0" err="1">
+                <a:solidFill>
+                  <a:srgbClr val="000066"/>
+                </a:solidFill>
+                <a:latin typeface="Calibri" panose="020F0502020204030204" pitchFamily="34" charset="0"/>
+                <a:ea typeface="微軟正黑體" pitchFamily="34" charset="-120"/>
+                <a:cs typeface="Calibri" panose="020F0502020204030204" pitchFamily="34" charset="0"/>
+              </a:rPr>
+              <a:t>lần</a:t>
+            </a:r>
+            <a:r>
+              <a:rPr lang="en-US" sz="3200" b="1" dirty="0">
+                <a:solidFill>
+                  <a:srgbClr val="000066"/>
+                </a:solidFill>
+                <a:latin typeface="Calibri" panose="020F0502020204030204" pitchFamily="34" charset="0"/>
+                <a:ea typeface="微軟正黑體" pitchFamily="34" charset="-120"/>
+                <a:cs typeface="Calibri" panose="020F0502020204030204" pitchFamily="34" charset="0"/>
+              </a:rPr>
+              <a:t>)</a:t>
             </a:r>
             <a:r>
               <a:rPr lang="vi-VN" sz="4400" b="1" dirty="0">
@@ -9566,7 +9579,7 @@
               <a:buNone/>
             </a:pPr>
             <a:r>
-              <a:rPr lang="zh-CN" altLang="en-US" sz="6400" b="1" dirty="0" smtClean="0">
+              <a:rPr lang="zh-CN" altLang="en-US" sz="6400" b="1" dirty="0">
                 <a:solidFill>
                   <a:srgbClr val="660033"/>
                 </a:solidFill>
@@ -9576,24 +9589,14 @@
               <a:t>歸於至高</a:t>
             </a:r>
             <a:r>
-              <a:rPr lang="zh-TW" altLang="en-US" sz="6400" b="1" dirty="0" smtClean="0">
+              <a:rPr lang="zh-TW" altLang="en-US" sz="6400" b="1" dirty="0">
                 <a:solidFill>
                   <a:srgbClr val="660033"/>
                 </a:solidFill>
                 <a:latin typeface="微軟正黑體" pitchFamily="34" charset="-120"/>
                 <a:ea typeface="微軟正黑體" pitchFamily="34" charset="-120"/>
               </a:rPr>
-              <a:t>真</a:t>
-            </a:r>
-            <a:r>
-              <a:rPr lang="zh-TW" altLang="en-US" sz="6400" b="1" dirty="0">
-                <a:solidFill>
-                  <a:srgbClr val="660033"/>
-                </a:solidFill>
-                <a:latin typeface="微軟正黑體" pitchFamily="34" charset="-120"/>
-                <a:ea typeface="微軟正黑體" pitchFamily="34" charset="-120"/>
-              </a:rPr>
-              <a:t>神</a:t>
+              <a:t>真神</a:t>
             </a:r>
           </a:p>
         </p:txBody>
@@ -10032,7 +10035,40 @@
                 <a:ea typeface="微軟正黑體" pitchFamily="34" charset="-120"/>
                 <a:cs typeface="Calibri" panose="020F0502020204030204" pitchFamily="34" charset="0"/>
               </a:rPr>
-              <a:t> (x3)</a:t>
+              <a:t> </a:t>
+            </a:r>
+            <a:r>
+              <a:rPr lang="en-US" sz="3200" b="1" dirty="0">
+                <a:solidFill>
+                  <a:srgbClr val="000066"/>
+                </a:solidFill>
+                <a:latin typeface="Calibri" panose="020F0502020204030204" pitchFamily="34" charset="0"/>
+                <a:ea typeface="微軟正黑體" pitchFamily="34" charset="-120"/>
+                <a:cs typeface="Calibri" panose="020F0502020204030204" pitchFamily="34" charset="0"/>
+              </a:rPr>
+              <a:t>(3 </a:t>
+            </a:r>
+            <a:r>
+              <a:rPr lang="en-US" sz="3200" b="1" dirty="0" err="1">
+                <a:solidFill>
+                  <a:srgbClr val="000066"/>
+                </a:solidFill>
+                <a:latin typeface="Calibri" panose="020F0502020204030204" pitchFamily="34" charset="0"/>
+                <a:ea typeface="微軟正黑體" pitchFamily="34" charset="-120"/>
+                <a:cs typeface="Calibri" panose="020F0502020204030204" pitchFamily="34" charset="0"/>
+              </a:rPr>
+              <a:t>lần</a:t>
+            </a:r>
+            <a:r>
+              <a:rPr lang="en-US" sz="3200" b="1" dirty="0">
+                <a:solidFill>
+                  <a:srgbClr val="000066"/>
+                </a:solidFill>
+                <a:latin typeface="Calibri" panose="020F0502020204030204" pitchFamily="34" charset="0"/>
+                <a:ea typeface="微軟正黑體" pitchFamily="34" charset="-120"/>
+                <a:cs typeface="Calibri" panose="020F0502020204030204" pitchFamily="34" charset="0"/>
+              </a:rPr>
+              <a:t>)</a:t>
             </a:r>
             <a:r>
               <a:rPr lang="vi-VN" sz="4400" b="1" dirty="0">
@@ -10305,29 +10341,7 @@
                 <a:ea typeface="微軟正黑體" pitchFamily="34" charset="-120"/>
                 <a:cs typeface="Calibri" panose="020F0502020204030204" pitchFamily="34" charset="0"/>
               </a:rPr>
-              <a:t>Nguyện danh Thiên Chúa </a:t>
-            </a:r>
-            <a:r>
-              <a:rPr lang="vi-VN" sz="4400" b="1" dirty="0" smtClean="0">
-                <a:solidFill>
-                  <a:srgbClr val="000066"/>
-                </a:solidFill>
-                <a:latin typeface="Calibri" panose="020F0502020204030204" pitchFamily="34" charset="0"/>
-                <a:ea typeface="微軟正黑體" pitchFamily="34" charset="-120"/>
-                <a:cs typeface="Calibri" panose="020F0502020204030204" pitchFamily="34" charset="0"/>
-              </a:rPr>
-              <a:t>huy </a:t>
-            </a:r>
-            <a:r>
-              <a:rPr lang="vi-VN" sz="4400" b="1" dirty="0">
-                <a:solidFill>
-                  <a:srgbClr val="000066"/>
-                </a:solidFill>
-                <a:latin typeface="Calibri" panose="020F0502020204030204" pitchFamily="34" charset="0"/>
-                <a:ea typeface="微軟正黑體" pitchFamily="34" charset="-120"/>
-                <a:cs typeface="Calibri" panose="020F0502020204030204" pitchFamily="34" charset="0"/>
-              </a:rPr>
-              <a:t>hoàng</a:t>
+              <a:t>Nguyện danh Thiên Chúa huy hoàng</a:t>
             </a:r>
             <a:endParaRPr lang="en-US" sz="4400" b="1" dirty="0">
               <a:solidFill>
